--- a/Semana 7/clase6.pptx
+++ b/Semana 7/clase6.pptx
@@ -237,7 +237,7 @@
           <a:p>
             <a:fld id="{56EFBD41-8F30-499F-8836-9A8B592EDCF2}" type="datetimeFigureOut">
               <a:rPr lang="es-CR" smtClean="0"/>
-              <a:t>21/3/2018</a:t>
+              <a:t>14/3/2019</a:t>
             </a:fld>
             <a:endParaRPr lang="es-CR"/>
           </a:p>
@@ -402,7 +402,7 @@
           <a:p>
             <a:fld id="{701C4BE3-AD0D-43FB-97B9-68E31F3243AC}" type="datetimeFigureOut">
               <a:rPr lang="es-CR" smtClean="0"/>
-              <a:t>21/3/2018</a:t>
+              <a:t>14/3/2019</a:t>
             </a:fld>
             <a:endParaRPr lang="es-CR"/>
           </a:p>
@@ -812,7 +812,7 @@
           <a:p>
             <a:fld id="{EABE8AA6-12A8-4B45-AB18-A83908A3A2E6}" type="datetimeFigureOut">
               <a:rPr lang="es-ES" smtClean="0"/>
-              <a:t>21/03/2018</a:t>
+              <a:t>14/03/2019</a:t>
             </a:fld>
             <a:endParaRPr lang="es-ES"/>
           </a:p>
@@ -982,7 +982,7 @@
           <a:p>
             <a:fld id="{EABE8AA6-12A8-4B45-AB18-A83908A3A2E6}" type="datetimeFigureOut">
               <a:rPr lang="es-ES" smtClean="0"/>
-              <a:t>21/03/2018</a:t>
+              <a:t>14/03/2019</a:t>
             </a:fld>
             <a:endParaRPr lang="es-ES"/>
           </a:p>
@@ -1162,7 +1162,7 @@
           <a:p>
             <a:fld id="{EABE8AA6-12A8-4B45-AB18-A83908A3A2E6}" type="datetimeFigureOut">
               <a:rPr lang="es-ES" smtClean="0"/>
-              <a:t>21/03/2018</a:t>
+              <a:t>14/03/2019</a:t>
             </a:fld>
             <a:endParaRPr lang="es-ES"/>
           </a:p>
@@ -1365,7 +1365,7 @@
           <a:p>
             <a:fld id="{EABE8AA6-12A8-4B45-AB18-A83908A3A2E6}" type="datetimeFigureOut">
               <a:rPr lang="es-ES" smtClean="0"/>
-              <a:t>21/03/2018</a:t>
+              <a:t>14/03/2019</a:t>
             </a:fld>
             <a:endParaRPr lang="es-ES"/>
           </a:p>
@@ -1535,7 +1535,7 @@
           <a:p>
             <a:fld id="{EABE8AA6-12A8-4B45-AB18-A83908A3A2E6}" type="datetimeFigureOut">
               <a:rPr lang="es-ES" smtClean="0"/>
-              <a:t>21/03/2018</a:t>
+              <a:t>14/03/2019</a:t>
             </a:fld>
             <a:endParaRPr lang="es-ES"/>
           </a:p>
@@ -1786,7 +1786,7 @@
           <a:p>
             <a:fld id="{EABE8AA6-12A8-4B45-AB18-A83908A3A2E6}" type="datetimeFigureOut">
               <a:rPr lang="es-ES" smtClean="0"/>
-              <a:t>21/03/2018</a:t>
+              <a:t>14/03/2019</a:t>
             </a:fld>
             <a:endParaRPr lang="es-ES"/>
           </a:p>
@@ -2018,7 +2018,7 @@
           <a:p>
             <a:fld id="{EABE8AA6-12A8-4B45-AB18-A83908A3A2E6}" type="datetimeFigureOut">
               <a:rPr lang="es-ES" smtClean="0"/>
-              <a:t>21/03/2018</a:t>
+              <a:t>14/03/2019</a:t>
             </a:fld>
             <a:endParaRPr lang="es-ES"/>
           </a:p>
@@ -2365,7 +2365,7 @@
           <a:p>
             <a:fld id="{EABE8AA6-12A8-4B45-AB18-A83908A3A2E6}" type="datetimeFigureOut">
               <a:rPr lang="es-ES" smtClean="0"/>
-              <a:t>21/03/2018</a:t>
+              <a:t>14/03/2019</a:t>
             </a:fld>
             <a:endParaRPr lang="es-ES"/>
           </a:p>
@@ -2483,7 +2483,7 @@
           <a:p>
             <a:fld id="{73D7E00A-486F-4252-8B1D-E32645521F49}" type="datetime1">
               <a:rPr lang="en-US" smtClean="0"/>
-              <a:t>3/21/2018</a:t>
+              <a:t>3/14/2019</a:t>
             </a:fld>
             <a:endParaRPr lang="en-US"/>
           </a:p>
@@ -2601,7 +2601,7 @@
           <a:p>
             <a:fld id="{EABE8AA6-12A8-4B45-AB18-A83908A3A2E6}" type="datetimeFigureOut">
               <a:rPr lang="es-ES" smtClean="0"/>
-              <a:t>21/03/2018</a:t>
+              <a:t>14/03/2019</a:t>
             </a:fld>
             <a:endParaRPr lang="es-ES"/>
           </a:p>
@@ -2885,7 +2885,7 @@
           <a:p>
             <a:fld id="{EABE8AA6-12A8-4B45-AB18-A83908A3A2E6}" type="datetimeFigureOut">
               <a:rPr lang="es-ES" smtClean="0"/>
-              <a:t>21/03/2018</a:t>
+              <a:t>14/03/2019</a:t>
             </a:fld>
             <a:endParaRPr lang="es-ES"/>
           </a:p>
@@ -3055,7 +3055,7 @@
           <a:p>
             <a:fld id="{EABE8AA6-12A8-4B45-AB18-A83908A3A2E6}" type="datetimeFigureOut">
               <a:rPr lang="es-ES" smtClean="0"/>
-              <a:t>21/03/2018</a:t>
+              <a:t>14/03/2019</a:t>
             </a:fld>
             <a:endParaRPr lang="es-ES"/>
           </a:p>
@@ -3319,7 +3319,7 @@
           <a:p>
             <a:fld id="{EABE8AA6-12A8-4B45-AB18-A83908A3A2E6}" type="datetimeFigureOut">
               <a:rPr lang="es-ES" smtClean="0"/>
-              <a:t>21/03/2018</a:t>
+              <a:t>14/03/2019</a:t>
             </a:fld>
             <a:endParaRPr lang="es-ES"/>
           </a:p>
@@ -3489,7 +3489,7 @@
           <a:p>
             <a:fld id="{EABE8AA6-12A8-4B45-AB18-A83908A3A2E6}" type="datetimeFigureOut">
               <a:rPr lang="es-ES" smtClean="0"/>
-              <a:t>21/03/2018</a:t>
+              <a:t>14/03/2019</a:t>
             </a:fld>
             <a:endParaRPr lang="es-ES"/>
           </a:p>
@@ -3669,7 +3669,7 @@
           <a:p>
             <a:fld id="{EABE8AA6-12A8-4B45-AB18-A83908A3A2E6}" type="datetimeFigureOut">
               <a:rPr lang="es-ES" smtClean="0"/>
-              <a:t>21/03/2018</a:t>
+              <a:t>14/03/2019</a:t>
             </a:fld>
             <a:endParaRPr lang="es-ES"/>
           </a:p>
@@ -3861,7 +3861,7 @@
           <a:p>
             <a:fld id="{EABE8AA6-12A8-4B45-AB18-A83908A3A2E6}" type="datetimeFigureOut">
               <a:rPr lang="es-ES" smtClean="0"/>
-              <a:t>21/03/2018</a:t>
+              <a:t>14/03/2019</a:t>
             </a:fld>
             <a:endParaRPr lang="es-ES"/>
           </a:p>
@@ -4122,7 +4122,7 @@
           <a:p>
             <a:fld id="{EABE8AA6-12A8-4B45-AB18-A83908A3A2E6}" type="datetimeFigureOut">
               <a:rPr lang="es-ES" smtClean="0"/>
-              <a:t>21/03/2018</a:t>
+              <a:t>14/03/2019</a:t>
             </a:fld>
             <a:endParaRPr lang="es-ES"/>
           </a:p>
@@ -4513,7 +4513,7 @@
           <a:p>
             <a:fld id="{EABE8AA6-12A8-4B45-AB18-A83908A3A2E6}" type="datetimeFigureOut">
               <a:rPr lang="es-ES" smtClean="0"/>
-              <a:t>21/03/2018</a:t>
+              <a:t>14/03/2019</a:t>
             </a:fld>
             <a:endParaRPr lang="es-ES"/>
           </a:p>
@@ -4801,7 +4801,7 @@
           <a:p>
             <a:fld id="{EABE8AA6-12A8-4B45-AB18-A83908A3A2E6}" type="datetimeFigureOut">
               <a:rPr lang="es-ES" smtClean="0"/>
-              <a:t>21/03/2018</a:t>
+              <a:t>14/03/2019</a:t>
             </a:fld>
             <a:endParaRPr lang="es-ES"/>
           </a:p>
@@ -5224,7 +5224,7 @@
           <a:p>
             <a:fld id="{EABE8AA6-12A8-4B45-AB18-A83908A3A2E6}" type="datetimeFigureOut">
               <a:rPr lang="es-ES" smtClean="0"/>
-              <a:t>21/03/2018</a:t>
+              <a:t>14/03/2019</a:t>
             </a:fld>
             <a:endParaRPr lang="es-ES"/>
           </a:p>
@@ -5342,7 +5342,7 @@
           <a:p>
             <a:fld id="{73D7E00A-486F-4252-8B1D-E32645521F49}" type="datetime1">
               <a:rPr lang="en-US" smtClean="0"/>
-              <a:t>3/21/2018</a:t>
+              <a:t>3/14/2019</a:t>
             </a:fld>
             <a:endParaRPr lang="en-US"/>
           </a:p>
@@ -5437,7 +5437,7 @@
           <a:p>
             <a:fld id="{EABE8AA6-12A8-4B45-AB18-A83908A3A2E6}" type="datetimeFigureOut">
               <a:rPr lang="es-ES" smtClean="0"/>
-              <a:t>21/03/2018</a:t>
+              <a:t>14/03/2019</a:t>
             </a:fld>
             <a:endParaRPr lang="es-ES"/>
           </a:p>
@@ -5688,7 +5688,7 @@
           <a:p>
             <a:fld id="{EABE8AA6-12A8-4B45-AB18-A83908A3A2E6}" type="datetimeFigureOut">
               <a:rPr lang="es-ES" smtClean="0"/>
-              <a:t>21/03/2018</a:t>
+              <a:t>14/03/2019</a:t>
             </a:fld>
             <a:endParaRPr lang="es-ES"/>
           </a:p>
@@ -5965,7 +5965,7 @@
           <a:p>
             <a:fld id="{EABE8AA6-12A8-4B45-AB18-A83908A3A2E6}" type="datetimeFigureOut">
               <a:rPr lang="es-ES" smtClean="0"/>
-              <a:t>21/03/2018</a:t>
+              <a:t>14/03/2019</a:t>
             </a:fld>
             <a:endParaRPr lang="es-ES"/>
           </a:p>
@@ -6222,7 +6222,7 @@
           <a:p>
             <a:fld id="{EABE8AA6-12A8-4B45-AB18-A83908A3A2E6}" type="datetimeFigureOut">
               <a:rPr lang="es-ES" smtClean="0"/>
-              <a:t>21/03/2018</a:t>
+              <a:t>14/03/2019</a:t>
             </a:fld>
             <a:endParaRPr lang="es-ES"/>
           </a:p>
@@ -6392,7 +6392,7 @@
           <a:p>
             <a:fld id="{EABE8AA6-12A8-4B45-AB18-A83908A3A2E6}" type="datetimeFigureOut">
               <a:rPr lang="es-ES" smtClean="0"/>
-              <a:t>21/03/2018</a:t>
+              <a:t>14/03/2019</a:t>
             </a:fld>
             <a:endParaRPr lang="es-ES"/>
           </a:p>
@@ -6572,7 +6572,7 @@
           <a:p>
             <a:fld id="{EABE8AA6-12A8-4B45-AB18-A83908A3A2E6}" type="datetimeFigureOut">
               <a:rPr lang="es-ES" smtClean="0"/>
-              <a:t>21/03/2018</a:t>
+              <a:t>14/03/2019</a:t>
             </a:fld>
             <a:endParaRPr lang="es-ES"/>
           </a:p>
@@ -7112,7 +7112,7 @@
           <a:p>
             <a:fld id="{EABE8AA6-12A8-4B45-AB18-A83908A3A2E6}" type="datetimeFigureOut">
               <a:rPr lang="es-ES" smtClean="0"/>
-              <a:t>21/03/2018</a:t>
+              <a:t>14/03/2019</a:t>
             </a:fld>
             <a:endParaRPr lang="es-ES"/>
           </a:p>
@@ -7459,7 +7459,7 @@
           <a:p>
             <a:fld id="{EABE8AA6-12A8-4B45-AB18-A83908A3A2E6}" type="datetimeFigureOut">
               <a:rPr lang="es-ES" smtClean="0"/>
-              <a:t>21/03/2018</a:t>
+              <a:t>14/03/2019</a:t>
             </a:fld>
             <a:endParaRPr lang="es-ES"/>
           </a:p>
@@ -7577,7 +7577,7 @@
           <a:p>
             <a:fld id="{73D7E00A-486F-4252-8B1D-E32645521F49}" type="datetime1">
               <a:rPr lang="en-US" smtClean="0"/>
-              <a:t>3/21/2018</a:t>
+              <a:t>3/14/2019</a:t>
             </a:fld>
             <a:endParaRPr lang="en-US"/>
           </a:p>
@@ -8015,7 +8015,7 @@
           <a:p>
             <a:fld id="{EABE8AA6-12A8-4B45-AB18-A83908A3A2E6}" type="datetimeFigureOut">
               <a:rPr lang="es-ES" smtClean="0"/>
-              <a:t>21/03/2018</a:t>
+              <a:t>14/03/2019</a:t>
             </a:fld>
             <a:endParaRPr lang="es-ES"/>
           </a:p>
@@ -8279,7 +8279,7 @@
           <a:p>
             <a:fld id="{EABE8AA6-12A8-4B45-AB18-A83908A3A2E6}" type="datetimeFigureOut">
               <a:rPr lang="es-ES" smtClean="0"/>
-              <a:t>21/03/2018</a:t>
+              <a:t>14/03/2019</a:t>
             </a:fld>
             <a:endParaRPr lang="es-ES"/>
           </a:p>
@@ -8493,7 +8493,7 @@
           <a:p>
             <a:fld id="{5586B75A-687E-405C-8A0B-8D00578BA2C3}" type="datetime1">
               <a:rPr lang="en-US" smtClean="0"/>
-              <a:t>3/21/2018</a:t>
+              <a:t>3/14/2019</a:t>
             </a:fld>
             <a:endParaRPr lang="en-US"/>
           </a:p>
@@ -9023,7 +9023,7 @@
           <a:p>
             <a:fld id="{5586B75A-687E-405C-8A0B-8D00578BA2C3}" type="datetime1">
               <a:rPr lang="en-US" smtClean="0"/>
-              <a:t>3/21/2018</a:t>
+              <a:t>3/14/2019</a:t>
             </a:fld>
             <a:endParaRPr lang="en-US"/>
           </a:p>
@@ -9552,7 +9552,7 @@
           <a:p>
             <a:fld id="{5586B75A-687E-405C-8A0B-8D00578BA2C3}" type="datetime1">
               <a:rPr lang="en-US" smtClean="0"/>
-              <a:t>3/21/2018</a:t>
+              <a:t>3/14/2019</a:t>
             </a:fld>
             <a:endParaRPr lang="en-US"/>
           </a:p>
@@ -12166,7 +12166,7 @@
             </a:pPr>
             <a:r>
               <a:rPr lang="es-CR" sz="2400" dirty="0"/>
-              <a:t>2018</a:t>
+              <a:t>2019</a:t>
             </a:r>
           </a:p>
         </p:txBody>
